--- a/Presentation_Buehler_Steuerlein.pptx
+++ b/Presentation_Buehler_Steuerlein.pptx
@@ -5,15 +5,16 @@
     <p:sldMasterId id="2147483648" r:id="rId1"/>
   </p:sldMasterIdLst>
   <p:notesMasterIdLst>
-    <p:notesMasterId r:id="rId8"/>
+    <p:notesMasterId r:id="rId9"/>
   </p:notesMasterIdLst>
   <p:sldIdLst>
     <p:sldId id="259" r:id="rId2"/>
     <p:sldId id="257" r:id="rId3"/>
     <p:sldId id="265" r:id="rId4"/>
-    <p:sldId id="262" r:id="rId5"/>
-    <p:sldId id="263" r:id="rId6"/>
-    <p:sldId id="264" r:id="rId7"/>
+    <p:sldId id="266" r:id="rId5"/>
+    <p:sldId id="262" r:id="rId6"/>
+    <p:sldId id="263" r:id="rId7"/>
+    <p:sldId id="267" r:id="rId8"/>
   </p:sldIdLst>
   <p:sldSz cx="9144000" cy="5143500" type="screen16x9"/>
   <p:notesSz cx="6858000" cy="9144000"/>
@@ -227,7 +228,7 @@
           <a:p>
             <a:fld id="{3D100699-F170-47EF-8601-8ACFF448602A}" type="datetimeFigureOut">
               <a:rPr lang="de-DE" smtClean="0"/>
-              <a:t>02.11.2018</a:t>
+              <a:t>05.11.2018</a:t>
             </a:fld>
             <a:endParaRPr lang="de-DE"/>
           </a:p>
@@ -539,6 +540,206 @@
           <a:lstStyle/>
           <a:p>
             <a:r>
+              <a:rPr lang="de-DE" dirty="0" err="1"/>
+              <a:t>They</a:t>
+            </a:r>
+            <a:r>
+              <a:rPr lang="de-DE" dirty="0"/>
+              <a:t> </a:t>
+            </a:r>
+            <a:r>
+              <a:rPr lang="de-DE" dirty="0" err="1"/>
+              <a:t>used</a:t>
+            </a:r>
+            <a:r>
+              <a:rPr lang="de-DE" dirty="0"/>
+              <a:t> </a:t>
+            </a:r>
+            <a:r>
+              <a:rPr lang="de-DE" dirty="0" err="1"/>
+              <a:t>Gaussian</a:t>
+            </a:r>
+            <a:r>
+              <a:rPr lang="de-DE" dirty="0"/>
+              <a:t> </a:t>
+            </a:r>
+            <a:r>
+              <a:rPr lang="de-DE" dirty="0" err="1"/>
+              <a:t>Process</a:t>
+            </a:r>
+            <a:r>
+              <a:rPr lang="de-DE" dirty="0"/>
+              <a:t> Regression</a:t>
+            </a:r>
+            <a:endParaRPr lang="en-US" dirty="0"/>
+          </a:p>
+        </p:txBody>
+      </p:sp>
+      <p:sp>
+        <p:nvSpPr>
+          <p:cNvPr id="4" name="Foliennummernplatzhalter 3"/>
+          <p:cNvSpPr>
+            <a:spLocks noGrp="1"/>
+          </p:cNvSpPr>
+          <p:nvPr>
+            <p:ph type="sldNum" sz="quarter" idx="5"/>
+          </p:nvPr>
+        </p:nvSpPr>
+        <p:spPr/>
+        <p:txBody>
+          <a:bodyPr/>
+          <a:lstStyle/>
+          <a:p>
+            <a:fld id="{6F4F2A7C-E896-4C15-99D8-2B5BC94A4F36}" type="slidenum">
+              <a:rPr lang="de-DE" smtClean="0"/>
+              <a:t>3</a:t>
+            </a:fld>
+            <a:endParaRPr lang="de-DE"/>
+          </a:p>
+        </p:txBody>
+      </p:sp>
+    </p:spTree>
+    <p:extLst>
+      <p:ext uri="{BB962C8B-B14F-4D97-AF65-F5344CB8AC3E}">
+        <p14:creationId xmlns:p14="http://schemas.microsoft.com/office/powerpoint/2010/main" val="27495495"/>
+      </p:ext>
+    </p:extLst>
+  </p:cSld>
+  <p:clrMapOvr>
+    <a:masterClrMapping/>
+  </p:clrMapOvr>
+</p:notes>
+</file>
+
+<file path=ppt/notesSlides/notesSlide2.xml><?xml version="1.0" encoding="utf-8"?>
+<p:notes xmlns:a="http://schemas.openxmlformats.org/drawingml/2006/main" xmlns:r="http://schemas.openxmlformats.org/officeDocument/2006/relationships" xmlns:p="http://schemas.openxmlformats.org/presentationml/2006/main">
+  <p:cSld>
+    <p:spTree>
+      <p:nvGrpSpPr>
+        <p:cNvPr id="1" name=""/>
+        <p:cNvGrpSpPr/>
+        <p:nvPr/>
+      </p:nvGrpSpPr>
+      <p:grpSpPr>
+        <a:xfrm>
+          <a:off x="0" y="0"/>
+          <a:ext cx="0" cy="0"/>
+          <a:chOff x="0" y="0"/>
+          <a:chExt cx="0" cy="0"/>
+        </a:xfrm>
+      </p:grpSpPr>
+      <p:sp>
+        <p:nvSpPr>
+          <p:cNvPr id="2" name="Folienbildplatzhalter 1"/>
+          <p:cNvSpPr>
+            <a:spLocks noGrp="1" noRot="1" noChangeAspect="1"/>
+          </p:cNvSpPr>
+          <p:nvPr>
+            <p:ph type="sldImg"/>
+          </p:nvPr>
+        </p:nvSpPr>
+        <p:spPr/>
+      </p:sp>
+      <p:sp>
+        <p:nvSpPr>
+          <p:cNvPr id="3" name="Notizenplatzhalter 2"/>
+          <p:cNvSpPr>
+            <a:spLocks noGrp="1"/>
+          </p:cNvSpPr>
+          <p:nvPr>
+            <p:ph type="body" idx="1"/>
+          </p:nvPr>
+        </p:nvSpPr>
+        <p:spPr/>
+        <p:txBody>
+          <a:bodyPr/>
+          <a:lstStyle/>
+          <a:p>
+            <a:endParaRPr lang="en-US" dirty="0"/>
+          </a:p>
+        </p:txBody>
+      </p:sp>
+      <p:sp>
+        <p:nvSpPr>
+          <p:cNvPr id="4" name="Foliennummernplatzhalter 3"/>
+          <p:cNvSpPr>
+            <a:spLocks noGrp="1"/>
+          </p:cNvSpPr>
+          <p:nvPr>
+            <p:ph type="sldNum" sz="quarter" idx="5"/>
+          </p:nvPr>
+        </p:nvSpPr>
+        <p:spPr/>
+        <p:txBody>
+          <a:bodyPr/>
+          <a:lstStyle/>
+          <a:p>
+            <a:fld id="{6F4F2A7C-E896-4C15-99D8-2B5BC94A4F36}" type="slidenum">
+              <a:rPr lang="de-DE" smtClean="0"/>
+              <a:t>4</a:t>
+            </a:fld>
+            <a:endParaRPr lang="de-DE"/>
+          </a:p>
+        </p:txBody>
+      </p:sp>
+    </p:spTree>
+    <p:extLst>
+      <p:ext uri="{BB962C8B-B14F-4D97-AF65-F5344CB8AC3E}">
+        <p14:creationId xmlns:p14="http://schemas.microsoft.com/office/powerpoint/2010/main" val="1756350902"/>
+      </p:ext>
+    </p:extLst>
+  </p:cSld>
+  <p:clrMapOvr>
+    <a:masterClrMapping/>
+  </p:clrMapOvr>
+</p:notes>
+</file>
+
+<file path=ppt/notesSlides/notesSlide3.xml><?xml version="1.0" encoding="utf-8"?>
+<p:notes xmlns:a="http://schemas.openxmlformats.org/drawingml/2006/main" xmlns:r="http://schemas.openxmlformats.org/officeDocument/2006/relationships" xmlns:p="http://schemas.openxmlformats.org/presentationml/2006/main">
+  <p:cSld>
+    <p:spTree>
+      <p:nvGrpSpPr>
+        <p:cNvPr id="1" name=""/>
+        <p:cNvGrpSpPr/>
+        <p:nvPr/>
+      </p:nvGrpSpPr>
+      <p:grpSpPr>
+        <a:xfrm>
+          <a:off x="0" y="0"/>
+          <a:ext cx="0" cy="0"/>
+          <a:chOff x="0" y="0"/>
+          <a:chExt cx="0" cy="0"/>
+        </a:xfrm>
+      </p:grpSpPr>
+      <p:sp>
+        <p:nvSpPr>
+          <p:cNvPr id="2" name="Folienbildplatzhalter 1"/>
+          <p:cNvSpPr>
+            <a:spLocks noGrp="1" noRot="1" noChangeAspect="1"/>
+          </p:cNvSpPr>
+          <p:nvPr>
+            <p:ph type="sldImg"/>
+          </p:nvPr>
+        </p:nvSpPr>
+        <p:spPr/>
+      </p:sp>
+      <p:sp>
+        <p:nvSpPr>
+          <p:cNvPr id="3" name="Notizenplatzhalter 2"/>
+          <p:cNvSpPr>
+            <a:spLocks noGrp="1"/>
+          </p:cNvSpPr>
+          <p:nvPr>
+            <p:ph type="body" idx="1"/>
+          </p:nvPr>
+        </p:nvSpPr>
+        <p:spPr/>
+        <p:txBody>
+          <a:bodyPr/>
+          <a:lstStyle/>
+          <a:p>
+            <a:r>
               <a:rPr lang="de-DE" dirty="0"/>
               <a:t>Data </a:t>
             </a:r>
@@ -840,7 +1041,7 @@
           <a:p>
             <a:fld id="{6F4F2A7C-E896-4C15-99D8-2B5BC94A4F36}" type="slidenum">
               <a:rPr lang="de-DE" smtClean="0"/>
-              <a:t>4</a:t>
+              <a:t>5</a:t>
             </a:fld>
             <a:endParaRPr lang="de-DE"/>
           </a:p>
@@ -850,6 +1051,90 @@
     <p:extLst>
       <p:ext uri="{BB962C8B-B14F-4D97-AF65-F5344CB8AC3E}">
         <p14:creationId xmlns:p14="http://schemas.microsoft.com/office/powerpoint/2010/main" val="1467637834"/>
+      </p:ext>
+    </p:extLst>
+  </p:cSld>
+  <p:clrMapOvr>
+    <a:masterClrMapping/>
+  </p:clrMapOvr>
+</p:notes>
+</file>
+
+<file path=ppt/notesSlides/notesSlide4.xml><?xml version="1.0" encoding="utf-8"?>
+<p:notes xmlns:a="http://schemas.openxmlformats.org/drawingml/2006/main" xmlns:r="http://schemas.openxmlformats.org/officeDocument/2006/relationships" xmlns:p="http://schemas.openxmlformats.org/presentationml/2006/main">
+  <p:cSld>
+    <p:spTree>
+      <p:nvGrpSpPr>
+        <p:cNvPr id="1" name=""/>
+        <p:cNvGrpSpPr/>
+        <p:nvPr/>
+      </p:nvGrpSpPr>
+      <p:grpSpPr>
+        <a:xfrm>
+          <a:off x="0" y="0"/>
+          <a:ext cx="0" cy="0"/>
+          <a:chOff x="0" y="0"/>
+          <a:chExt cx="0" cy="0"/>
+        </a:xfrm>
+      </p:grpSpPr>
+      <p:sp>
+        <p:nvSpPr>
+          <p:cNvPr id="2" name="Folienbildplatzhalter 1"/>
+          <p:cNvSpPr>
+            <a:spLocks noGrp="1" noRot="1" noChangeAspect="1"/>
+          </p:cNvSpPr>
+          <p:nvPr>
+            <p:ph type="sldImg"/>
+          </p:nvPr>
+        </p:nvSpPr>
+        <p:spPr/>
+      </p:sp>
+      <p:sp>
+        <p:nvSpPr>
+          <p:cNvPr id="3" name="Notizenplatzhalter 2"/>
+          <p:cNvSpPr>
+            <a:spLocks noGrp="1"/>
+          </p:cNvSpPr>
+          <p:nvPr>
+            <p:ph type="body" idx="1"/>
+          </p:nvPr>
+        </p:nvSpPr>
+        <p:spPr/>
+        <p:txBody>
+          <a:bodyPr/>
+          <a:lstStyle/>
+          <a:p>
+            <a:endParaRPr lang="de-DE" dirty="0"/>
+          </a:p>
+        </p:txBody>
+      </p:sp>
+      <p:sp>
+        <p:nvSpPr>
+          <p:cNvPr id="4" name="Foliennummernplatzhalter 3"/>
+          <p:cNvSpPr>
+            <a:spLocks noGrp="1"/>
+          </p:cNvSpPr>
+          <p:nvPr>
+            <p:ph type="sldNum" sz="quarter" idx="5"/>
+          </p:nvPr>
+        </p:nvSpPr>
+        <p:spPr/>
+        <p:txBody>
+          <a:bodyPr/>
+          <a:lstStyle/>
+          <a:p>
+            <a:fld id="{6F4F2A7C-E896-4C15-99D8-2B5BC94A4F36}" type="slidenum">
+              <a:rPr lang="de-DE" smtClean="0"/>
+              <a:t>7</a:t>
+            </a:fld>
+            <a:endParaRPr lang="de-DE"/>
+          </a:p>
+        </p:txBody>
+      </p:sp>
+    </p:spTree>
+    <p:extLst>
+      <p:ext uri="{BB962C8B-B14F-4D97-AF65-F5344CB8AC3E}">
+        <p14:creationId xmlns:p14="http://schemas.microsoft.com/office/powerpoint/2010/main" val="4121137534"/>
       </p:ext>
     </p:extLst>
   </p:cSld>
@@ -3367,23 +3652,7 @@
                   <a:schemeClr val="tx1"/>
                 </a:solidFill>
               </a:rPr>
-              <a:t>Prediction</a:t>
-            </a:r>
-            <a:r>
-              <a:rPr lang="de-DE" sz="2000" dirty="0">
-                <a:solidFill>
-                  <a:schemeClr val="tx1"/>
-                </a:solidFill>
-              </a:rPr>
-              <a:t> </a:t>
-            </a:r>
-            <a:r>
-              <a:rPr lang="de-DE" sz="2000" dirty="0" err="1">
-                <a:solidFill>
-                  <a:schemeClr val="tx1"/>
-                </a:solidFill>
-              </a:rPr>
-              <a:t>of</a:t>
+              <a:t>Predict</a:t>
             </a:r>
             <a:r>
               <a:rPr lang="de-DE" sz="2000" dirty="0">
@@ -3561,9 +3830,10 @@
               <a:rPr lang="de-DE" dirty="0" err="1"/>
               <a:t>BoD</a:t>
             </a:r>
-            <a:br>
+            <a:r>
               <a:rPr lang="de-DE" dirty="0"/>
-            </a:br>
+              <a:t> </a:t>
+            </a:r>
             <a:r>
               <a:rPr lang="de-DE" dirty="0" err="1"/>
               <a:t>to</a:t>
@@ -3592,9 +3862,6 @@
               <a:rPr lang="de-DE" dirty="0" err="1"/>
               <a:t>targeting</a:t>
             </a:r>
-            <a:endParaRPr lang="de-DE" dirty="0"/>
-          </a:p>
-          <a:p>
             <a:endParaRPr lang="de-DE" dirty="0"/>
           </a:p>
           <a:p>
@@ -3658,7 +3925,11 @@
             </a:r>
             <a:r>
               <a:rPr lang="de-DE" dirty="0"/>
-              <a:t> Work</a:t>
+              <a:t> Work – Eines </a:t>
+            </a:r>
+            <a:r>
+              <a:rPr lang="de-DE"/>
+              <a:t>der Bilder</a:t>
             </a:r>
             <a:endParaRPr lang="en-US" dirty="0"/>
           </a:p>
@@ -3680,7 +3951,7 @@
         </p:nvSpPr>
         <p:spPr>
           <a:xfrm>
-            <a:off x="2712690" y="4528275"/>
+            <a:off x="2960821" y="4628059"/>
             <a:ext cx="5679717" cy="515441"/>
           </a:xfrm>
           <a:prstGeom prst="rect">
@@ -3752,6 +4023,75 @@
           </a:p>
         </p:txBody>
       </p:sp>
+      <p:pic>
+        <p:nvPicPr>
+          <p:cNvPr id="6" name="Onlinemedien 5" title="28 Frames Later: Predicting Screen Touches From Back-of-Device Grip Changes">
+            <a:hlinkClick r:id="" action="ppaction://media"/>
+            <a:extLst>
+              <a:ext uri="{FF2B5EF4-FFF2-40B4-BE49-F238E27FC236}">
+                <a16:creationId xmlns:a16="http://schemas.microsoft.com/office/drawing/2014/main" id="{8A1C8576-9EE3-4DA0-BA50-CBFF78067D03}"/>
+              </a:ext>
+            </a:extLst>
+          </p:cNvPr>
+          <p:cNvPicPr>
+            <a:picLocks noRot="1" noChangeAspect="1"/>
+          </p:cNvPicPr>
+          <p:nvPr>
+            <a:videoFile r:link="rId1"/>
+          </p:nvPr>
+        </p:nvPicPr>
+        <p:blipFill>
+          <a:blip r:embed="rId4"/>
+          <a:stretch>
+            <a:fillRect/>
+          </a:stretch>
+        </p:blipFill>
+        <p:spPr>
+          <a:xfrm>
+            <a:off x="683568" y="2056243"/>
+            <a:ext cx="3220712" cy="1811651"/>
+          </a:xfrm>
+          <a:prstGeom prst="rect">
+            <a:avLst/>
+          </a:prstGeom>
+        </p:spPr>
+      </p:pic>
+      <p:pic>
+        <p:nvPicPr>
+          <p:cNvPr id="10" name="Grafik 9">
+            <a:extLst>
+              <a:ext uri="{FF2B5EF4-FFF2-40B4-BE49-F238E27FC236}">
+                <a16:creationId xmlns:a16="http://schemas.microsoft.com/office/drawing/2014/main" id="{617A493D-679B-4168-956A-0EA43A919DB4}"/>
+              </a:ext>
+            </a:extLst>
+          </p:cNvPr>
+          <p:cNvPicPr>
+            <a:picLocks noChangeAspect="1"/>
+          </p:cNvPicPr>
+          <p:nvPr/>
+        </p:nvPicPr>
+        <p:blipFill>
+          <a:blip r:embed="rId5">
+            <a:extLst>
+              <a:ext uri="{28A0092B-C50C-407E-A947-70E740481C1C}">
+                <a14:useLocalDpi xmlns:a14="http://schemas.microsoft.com/office/drawing/2010/main" val="0"/>
+              </a:ext>
+            </a:extLst>
+          </a:blip>
+          <a:stretch>
+            <a:fillRect/>
+          </a:stretch>
+        </p:blipFill>
+        <p:spPr>
+          <a:xfrm>
+            <a:off x="4095107" y="2192318"/>
+            <a:ext cx="4871899" cy="1955135"/>
+          </a:xfrm>
+          <a:prstGeom prst="rect">
+            <a:avLst/>
+          </a:prstGeom>
+        </p:spPr>
+      </p:pic>
     </p:spTree>
     <p:extLst>
       <p:ext uri="{BB962C8B-B14F-4D97-AF65-F5344CB8AC3E}">
@@ -3784,10 +4124,10 @@
       </p:grpSpPr>
       <p:sp>
         <p:nvSpPr>
-          <p:cNvPr id="3" name="Foliennummernplatzhalter 2">
+          <p:cNvPr id="2" name="Inhaltsplatzhalter 1">
             <a:extLst>
               <a:ext uri="{FF2B5EF4-FFF2-40B4-BE49-F238E27FC236}">
-                <a16:creationId xmlns:a16="http://schemas.microsoft.com/office/drawing/2014/main" id="{728D85F4-0C62-4CFE-B518-956D3AD40F26}"/>
+                <a16:creationId xmlns:a16="http://schemas.microsoft.com/office/drawing/2014/main" id="{EBA464C5-A76A-44E4-B17A-3A516CD0D5B5}"/>
               </a:ext>
             </a:extLst>
           </p:cNvPr>
@@ -3795,6 +4135,114 @@
             <a:spLocks noGrp="1"/>
           </p:cNvSpPr>
           <p:nvPr>
+            <p:ph idx="1"/>
+          </p:nvPr>
+        </p:nvSpPr>
+        <p:spPr/>
+        <p:txBody>
+          <a:bodyPr/>
+          <a:lstStyle/>
+          <a:p>
+            <a:r>
+              <a:rPr lang="de-DE" dirty="0" err="1"/>
+              <a:t>Combination</a:t>
+            </a:r>
+            <a:r>
+              <a:rPr lang="de-DE" dirty="0"/>
+              <a:t> </a:t>
+            </a:r>
+            <a:r>
+              <a:rPr lang="de-DE" dirty="0" err="1"/>
+              <a:t>of</a:t>
+            </a:r>
+            <a:r>
+              <a:rPr lang="de-DE" dirty="0"/>
+              <a:t> </a:t>
+            </a:r>
+            <a:r>
+              <a:rPr lang="de-DE" dirty="0" err="1"/>
+              <a:t>neural</a:t>
+            </a:r>
+            <a:r>
+              <a:rPr lang="de-DE" dirty="0"/>
+              <a:t> </a:t>
+            </a:r>
+            <a:r>
+              <a:rPr lang="de-DE" dirty="0" err="1"/>
+              <a:t>networks</a:t>
+            </a:r>
+            <a:r>
+              <a:rPr lang="de-DE" dirty="0"/>
+              <a:t> and IMU </a:t>
+            </a:r>
+          </a:p>
+          <a:p>
+            <a:pPr marL="0" indent="0">
+              <a:buNone/>
+            </a:pPr>
+            <a:endParaRPr lang="de-DE" dirty="0"/>
+          </a:p>
+          <a:p>
+            <a:r>
+              <a:rPr lang="de-DE" dirty="0"/>
+              <a:t>In </a:t>
+            </a:r>
+            <a:r>
+              <a:rPr lang="de-DE" dirty="0" err="1"/>
+              <a:t>order</a:t>
+            </a:r>
+            <a:r>
+              <a:rPr lang="de-DE" dirty="0"/>
+              <a:t> </a:t>
+            </a:r>
+            <a:r>
+              <a:rPr lang="de-DE" dirty="0" err="1"/>
+              <a:t>to</a:t>
+            </a:r>
+            <a:r>
+              <a:rPr lang="de-DE" dirty="0"/>
+              <a:t> </a:t>
+            </a:r>
+            <a:r>
+              <a:rPr lang="de-DE" dirty="0" err="1"/>
+              <a:t>reduce</a:t>
+            </a:r>
+            <a:r>
+              <a:rPr lang="de-DE" dirty="0"/>
+              <a:t> </a:t>
+            </a:r>
+            <a:r>
+              <a:rPr lang="de-DE" dirty="0" err="1"/>
+              <a:t>input</a:t>
+            </a:r>
+            <a:r>
+              <a:rPr lang="de-DE" dirty="0"/>
+              <a:t> </a:t>
+            </a:r>
+            <a:r>
+              <a:rPr lang="de-DE" dirty="0" err="1"/>
+              <a:t>latency</a:t>
+            </a:r>
+            <a:endParaRPr lang="de-DE" dirty="0"/>
+          </a:p>
+          <a:p>
+            <a:endParaRPr lang="de-DE" dirty="0"/>
+          </a:p>
+        </p:txBody>
+      </p:sp>
+      <p:sp>
+        <p:nvSpPr>
+          <p:cNvPr id="3" name="Foliennummernplatzhalter 2">
+            <a:extLst>
+              <a:ext uri="{FF2B5EF4-FFF2-40B4-BE49-F238E27FC236}">
+                <a16:creationId xmlns:a16="http://schemas.microsoft.com/office/drawing/2014/main" id="{9D460283-3363-4F6B-A9CB-56F061D62702}"/>
+              </a:ext>
+            </a:extLst>
+          </p:cNvPr>
+          <p:cNvSpPr>
+            <a:spLocks noGrp="1"/>
+          </p:cNvSpPr>
+          <p:nvPr>
             <p:ph type="sldNum" sz="quarter" idx="12"/>
           </p:nvPr>
         </p:nvSpPr>
@@ -3806,6 +4254,243 @@
             <a:fld id="{29AD3987-26BA-49DC-BA24-72731371DC9F}" type="slidenum">
               <a:rPr lang="de-DE" smtClean="0"/>
               <a:t>4</a:t>
+            </a:fld>
+            <a:endParaRPr lang="de-DE" dirty="0"/>
+          </a:p>
+        </p:txBody>
+      </p:sp>
+      <p:sp>
+        <p:nvSpPr>
+          <p:cNvPr id="4" name="Titel 3">
+            <a:extLst>
+              <a:ext uri="{FF2B5EF4-FFF2-40B4-BE49-F238E27FC236}">
+                <a16:creationId xmlns:a16="http://schemas.microsoft.com/office/drawing/2014/main" id="{D9278032-BC89-4190-B462-90A9C5BB7ED4}"/>
+              </a:ext>
+            </a:extLst>
+          </p:cNvPr>
+          <p:cNvSpPr>
+            <a:spLocks noGrp="1"/>
+          </p:cNvSpPr>
+          <p:nvPr>
+            <p:ph type="title"/>
+          </p:nvPr>
+        </p:nvSpPr>
+        <p:spPr/>
+        <p:txBody>
+          <a:bodyPr/>
+          <a:lstStyle/>
+          <a:p>
+            <a:r>
+              <a:rPr lang="de-DE" dirty="0" err="1"/>
+              <a:t>Related</a:t>
+            </a:r>
+            <a:r>
+              <a:rPr lang="de-DE" dirty="0"/>
+              <a:t> Work</a:t>
+            </a:r>
+            <a:endParaRPr lang="en-US" dirty="0"/>
+          </a:p>
+        </p:txBody>
+      </p:sp>
+      <p:sp>
+        <p:nvSpPr>
+          <p:cNvPr id="6" name="Title 3">
+            <a:extLst>
+              <a:ext uri="{FF2B5EF4-FFF2-40B4-BE49-F238E27FC236}">
+                <a16:creationId xmlns:a16="http://schemas.microsoft.com/office/drawing/2014/main" id="{537069EF-2712-4102-81A4-42FEFD94B3DD}"/>
+              </a:ext>
+            </a:extLst>
+          </p:cNvPr>
+          <p:cNvSpPr txBox="1">
+            <a:spLocks/>
+          </p:cNvSpPr>
+          <p:nvPr/>
+        </p:nvSpPr>
+        <p:spPr>
+          <a:xfrm>
+            <a:off x="2960821" y="4628059"/>
+            <a:ext cx="5679717" cy="515441"/>
+          </a:xfrm>
+          <a:prstGeom prst="rect">
+            <a:avLst/>
+          </a:prstGeom>
+        </p:spPr>
+        <p:txBody>
+          <a:bodyPr vert="horz" lIns="91440" tIns="45720" rIns="91440" bIns="45720" rtlCol="0" anchor="ctr" anchorCtr="0">
+            <a:noAutofit/>
+          </a:bodyPr>
+          <a:lstStyle>
+            <a:lvl1pPr algn="l" defTabSz="914400" rtl="0" eaLnBrk="1" latinLnBrk="0" hangingPunct="1">
+              <a:spcBef>
+                <a:spcPct val="0"/>
+              </a:spcBef>
+              <a:buNone/>
+              <a:defRPr lang="de-DE" sz="3600" kern="1200">
+                <a:solidFill>
+                  <a:srgbClr val="137CBE"/>
+                </a:solidFill>
+                <a:latin typeface="+mj-lt"/>
+                <a:ea typeface="+mj-ea"/>
+                <a:cs typeface="+mj-cs"/>
+              </a:defRPr>
+            </a:lvl1pPr>
+          </a:lstStyle>
+          <a:p>
+            <a:r>
+              <a:rPr lang="en-US" sz="1000" dirty="0">
+                <a:solidFill>
+                  <a:schemeClr val="bg1">
+                    <a:lumMod val="50000"/>
+                  </a:schemeClr>
+                </a:solidFill>
+              </a:rPr>
+              <a:t>Le, H. V., Schwind, V., </a:t>
+            </a:r>
+            <a:r>
+              <a:rPr lang="en-US" sz="1000" dirty="0" err="1">
+                <a:solidFill>
+                  <a:schemeClr val="bg1">
+                    <a:lumMod val="50000"/>
+                  </a:schemeClr>
+                </a:solidFill>
+              </a:rPr>
+              <a:t>Göttlich</a:t>
+            </a:r>
+            <a:r>
+              <a:rPr lang="en-US" sz="1000" dirty="0">
+                <a:solidFill>
+                  <a:schemeClr val="bg1">
+                    <a:lumMod val="50000"/>
+                  </a:schemeClr>
+                </a:solidFill>
+              </a:rPr>
+              <a:t>, P., &amp; </a:t>
+            </a:r>
+            <a:r>
+              <a:rPr lang="en-US" sz="1000" dirty="0" err="1">
+                <a:solidFill>
+                  <a:schemeClr val="bg1">
+                    <a:lumMod val="50000"/>
+                  </a:schemeClr>
+                </a:solidFill>
+              </a:rPr>
+              <a:t>Henze</a:t>
+            </a:r>
+            <a:r>
+              <a:rPr lang="en-US" sz="1000" dirty="0">
+                <a:solidFill>
+                  <a:schemeClr val="bg1">
+                    <a:lumMod val="50000"/>
+                  </a:schemeClr>
+                </a:solidFill>
+              </a:rPr>
+              <a:t>, N.. </a:t>
+            </a:r>
+            <a:r>
+              <a:rPr lang="en-US" sz="1000" dirty="0" err="1">
+                <a:solidFill>
+                  <a:schemeClr val="bg1">
+                    <a:lumMod val="50000"/>
+                  </a:schemeClr>
+                </a:solidFill>
+              </a:rPr>
+              <a:t>PredicTouch</a:t>
+            </a:r>
+            <a:r>
+              <a:rPr lang="en-US" sz="1000" dirty="0">
+                <a:solidFill>
+                  <a:schemeClr val="bg1">
+                    <a:lumMod val="50000"/>
+                  </a:schemeClr>
+                </a:solidFill>
+              </a:rPr>
+              <a:t>: A System to Reduce Touchscreen Latency using Neural Networks and Inertial Measurement Units. In Proc. of ACM ‘17 International Conference on Interactive Surfaces and Spaces. </a:t>
+            </a:r>
+            <a:br>
+              <a:rPr lang="en-US" sz="1000" dirty="0">
+                <a:solidFill>
+                  <a:schemeClr val="bg1">
+                    <a:lumMod val="50000"/>
+                  </a:schemeClr>
+                </a:solidFill>
+              </a:rPr>
+            </a:br>
+            <a:r>
+              <a:rPr lang="en-US" sz="1000" dirty="0">
+                <a:solidFill>
+                  <a:schemeClr val="bg1">
+                    <a:lumMod val="50000"/>
+                  </a:schemeClr>
+                </a:solidFill>
+              </a:rPr>
+              <a:t>DOI: http://dx.doi.org/10.1145/3132272.3134138</a:t>
+            </a:r>
+          </a:p>
+          <a:p>
+            <a:endParaRPr lang="en-US" sz="1000" dirty="0">
+              <a:solidFill>
+                <a:schemeClr val="bg1">
+                  <a:lumMod val="50000"/>
+                </a:schemeClr>
+              </a:solidFill>
+            </a:endParaRPr>
+          </a:p>
+        </p:txBody>
+      </p:sp>
+    </p:spTree>
+    <p:extLst>
+      <p:ext uri="{BB962C8B-B14F-4D97-AF65-F5344CB8AC3E}">
+        <p14:creationId xmlns:p14="http://schemas.microsoft.com/office/powerpoint/2010/main" val="1288532401"/>
+      </p:ext>
+    </p:extLst>
+  </p:cSld>
+  <p:clrMapOvr>
+    <a:masterClrMapping/>
+  </p:clrMapOvr>
+</p:sld>
+</file>
+
+<file path=ppt/slides/slide5.xml><?xml version="1.0" encoding="utf-8"?>
+<p:sld xmlns:a="http://schemas.openxmlformats.org/drawingml/2006/main" xmlns:r="http://schemas.openxmlformats.org/officeDocument/2006/relationships" xmlns:p="http://schemas.openxmlformats.org/presentationml/2006/main">
+  <p:cSld>
+    <p:spTree>
+      <p:nvGrpSpPr>
+        <p:cNvPr id="1" name=""/>
+        <p:cNvGrpSpPr/>
+        <p:nvPr/>
+      </p:nvGrpSpPr>
+      <p:grpSpPr>
+        <a:xfrm>
+          <a:off x="0" y="0"/>
+          <a:ext cx="0" cy="0"/>
+          <a:chOff x="0" y="0"/>
+          <a:chExt cx="0" cy="0"/>
+        </a:xfrm>
+      </p:grpSpPr>
+      <p:sp>
+        <p:nvSpPr>
+          <p:cNvPr id="3" name="Foliennummernplatzhalter 2">
+            <a:extLst>
+              <a:ext uri="{FF2B5EF4-FFF2-40B4-BE49-F238E27FC236}">
+                <a16:creationId xmlns:a16="http://schemas.microsoft.com/office/drawing/2014/main" id="{728D85F4-0C62-4CFE-B518-956D3AD40F26}"/>
+              </a:ext>
+            </a:extLst>
+          </p:cNvPr>
+          <p:cNvSpPr>
+            <a:spLocks noGrp="1"/>
+          </p:cNvSpPr>
+          <p:nvPr>
+            <p:ph type="sldNum" sz="quarter" idx="12"/>
+          </p:nvPr>
+        </p:nvSpPr>
+        <p:spPr/>
+        <p:txBody>
+          <a:bodyPr/>
+          <a:lstStyle/>
+          <a:p>
+            <a:fld id="{29AD3987-26BA-49DC-BA24-72731371DC9F}" type="slidenum">
+              <a:rPr lang="de-DE" smtClean="0"/>
+              <a:t>5</a:t>
             </a:fld>
             <a:endParaRPr lang="de-DE" dirty="0"/>
           </a:p>
@@ -4075,7 +4760,7 @@
 </p:sld>
 </file>
 
-<file path=ppt/slides/slide5.xml><?xml version="1.0" encoding="utf-8"?>
+<file path=ppt/slides/slide6.xml><?xml version="1.0" encoding="utf-8"?>
 <p:sld xmlns:a="http://schemas.openxmlformats.org/drawingml/2006/main" xmlns:r="http://schemas.openxmlformats.org/officeDocument/2006/relationships" xmlns:p="http://schemas.openxmlformats.org/presentationml/2006/main">
   <p:cSld>
     <p:spTree>
@@ -8078,7 +8763,7 @@
           <a:p>
             <a:fld id="{29AD3987-26BA-49DC-BA24-72731371DC9F}" type="slidenum">
               <a:rPr lang="de-DE" smtClean="0"/>
-              <a:t>5</a:t>
+              <a:t>6</a:t>
             </a:fld>
             <a:endParaRPr lang="de-DE" dirty="0"/>
           </a:p>
@@ -8149,7 +8834,7 @@
 </p:sld>
 </file>
 
-<file path=ppt/slides/slide6.xml><?xml version="1.0" encoding="utf-8"?>
+<file path=ppt/slides/slide7.xml><?xml version="1.0" encoding="utf-8"?>
 <p:sld xmlns:a="http://schemas.openxmlformats.org/drawingml/2006/main" xmlns:r="http://schemas.openxmlformats.org/officeDocument/2006/relationships" xmlns:p="http://schemas.openxmlformats.org/presentationml/2006/main">
   <p:cSld>
     <p:spTree>
@@ -8168,10 +8853,10 @@
       </p:grpSpPr>
       <p:sp>
         <p:nvSpPr>
-          <p:cNvPr id="3" name="Titel 2">
+          <p:cNvPr id="3" name="Foliennummernplatzhalter 2">
             <a:extLst>
               <a:ext uri="{FF2B5EF4-FFF2-40B4-BE49-F238E27FC236}">
-                <a16:creationId xmlns:a16="http://schemas.microsoft.com/office/drawing/2014/main" id="{C782D07B-7C60-4ACB-9546-2D85ECCFD9DF}"/>
+                <a16:creationId xmlns:a16="http://schemas.microsoft.com/office/drawing/2014/main" id="{728D85F4-0C62-4CFE-B518-956D3AD40F26}"/>
               </a:ext>
             </a:extLst>
           </p:cNvPr>
@@ -8179,35 +8864,6 @@
             <a:spLocks noGrp="1"/>
           </p:cNvSpPr>
           <p:nvPr>
-            <p:ph type="title"/>
-          </p:nvPr>
-        </p:nvSpPr>
-        <p:spPr/>
-        <p:txBody>
-          <a:bodyPr/>
-          <a:lstStyle/>
-          <a:p>
-            <a:r>
-              <a:rPr lang="de-DE" dirty="0"/>
-              <a:t>Questions</a:t>
-            </a:r>
-            <a:endParaRPr lang="en-US" dirty="0"/>
-          </a:p>
-        </p:txBody>
-      </p:sp>
-      <p:sp>
-        <p:nvSpPr>
-          <p:cNvPr id="2" name="Foliennummernplatzhalter 1">
-            <a:extLst>
-              <a:ext uri="{FF2B5EF4-FFF2-40B4-BE49-F238E27FC236}">
-                <a16:creationId xmlns:a16="http://schemas.microsoft.com/office/drawing/2014/main" id="{B0EE5131-1172-4AC6-801D-8AD397DEBCC0}"/>
-              </a:ext>
-            </a:extLst>
-          </p:cNvPr>
-          <p:cNvSpPr>
-            <a:spLocks noGrp="1"/>
-          </p:cNvSpPr>
-          <p:nvPr>
             <p:ph type="sldNum" sz="quarter" idx="12"/>
           </p:nvPr>
         </p:nvSpPr>
@@ -8218,16 +8874,329 @@
           <a:p>
             <a:fld id="{29AD3987-26BA-49DC-BA24-72731371DC9F}" type="slidenum">
               <a:rPr lang="de-DE" smtClean="0"/>
-              <a:t>6</a:t>
+              <a:t>7</a:t>
             </a:fld>
-            <a:endParaRPr lang="de-DE"/>
+            <a:endParaRPr lang="de-DE" dirty="0"/>
+          </a:p>
+        </p:txBody>
+      </p:sp>
+      <p:pic>
+        <p:nvPicPr>
+          <p:cNvPr id="11" name="Grafik 10">
+            <a:extLst>
+              <a:ext uri="{FF2B5EF4-FFF2-40B4-BE49-F238E27FC236}">
+                <a16:creationId xmlns:a16="http://schemas.microsoft.com/office/drawing/2014/main" id="{93BC1B38-63D4-448A-8B61-225AE2326790}"/>
+              </a:ext>
+            </a:extLst>
+          </p:cNvPr>
+          <p:cNvPicPr>
+            <a:picLocks noChangeAspect="1"/>
+          </p:cNvPicPr>
+          <p:nvPr/>
+        </p:nvPicPr>
+        <p:blipFill>
+          <a:blip r:embed="rId3" cstate="print">
+            <a:extLst>
+              <a:ext uri="{28A0092B-C50C-407E-A947-70E740481C1C}">
+                <a14:useLocalDpi xmlns:a14="http://schemas.microsoft.com/office/drawing/2010/main" val="0"/>
+              </a:ext>
+            </a:extLst>
+          </a:blip>
+          <a:stretch>
+            <a:fillRect/>
+          </a:stretch>
+        </p:blipFill>
+        <p:spPr>
+          <a:xfrm>
+            <a:off x="0" y="-859403"/>
+            <a:ext cx="9487688" cy="6326023"/>
+          </a:xfrm>
+          <a:prstGeom prst="rect">
+            <a:avLst/>
+          </a:prstGeom>
+        </p:spPr>
+      </p:pic>
+      <p:sp>
+        <p:nvSpPr>
+          <p:cNvPr id="8" name="Rounded Rectangle 1">
+            <a:extLst>
+              <a:ext uri="{FF2B5EF4-FFF2-40B4-BE49-F238E27FC236}">
+                <a16:creationId xmlns:a16="http://schemas.microsoft.com/office/drawing/2014/main" id="{62B07893-1E66-4D33-B03A-2A85D67B1AF0}"/>
+              </a:ext>
+            </a:extLst>
+          </p:cNvPr>
+          <p:cNvSpPr/>
+          <p:nvPr/>
+        </p:nvSpPr>
+        <p:spPr>
+          <a:xfrm>
+            <a:off x="4405482" y="1179981"/>
+            <a:ext cx="6264696" cy="2976081"/>
+          </a:xfrm>
+          <a:prstGeom prst="roundRect">
+            <a:avLst/>
+          </a:prstGeom>
+          <a:solidFill>
+            <a:srgbClr val="FFFFFF">
+              <a:alpha val="80000"/>
+            </a:srgbClr>
+          </a:solidFill>
+          <a:ln>
+            <a:noFill/>
+          </a:ln>
+        </p:spPr>
+        <p:style>
+          <a:lnRef idx="3">
+            <a:schemeClr val="lt1"/>
+          </a:lnRef>
+          <a:fillRef idx="1">
+            <a:schemeClr val="accent6"/>
+          </a:fillRef>
+          <a:effectRef idx="1">
+            <a:schemeClr val="accent6"/>
+          </a:effectRef>
+          <a:fontRef idx="minor">
+            <a:schemeClr val="lt1"/>
+          </a:fontRef>
+        </p:style>
+        <p:txBody>
+          <a:bodyPr rtlCol="0" anchor="ctr"/>
+          <a:lstStyle/>
+          <a:p>
+            <a:pPr>
+              <a:buClr>
+                <a:srgbClr val="137CBE"/>
+              </a:buClr>
+            </a:pPr>
+            <a:r>
+              <a:rPr lang="en-US" sz="2000" dirty="0">
+                <a:solidFill>
+                  <a:schemeClr val="tx1"/>
+                </a:solidFill>
+              </a:rPr>
+              <a:t>Data acquisition: </a:t>
+            </a:r>
+          </a:p>
+          <a:p>
+            <a:pPr marL="742950" lvl="1" indent="-285750">
+              <a:buClr>
+                <a:srgbClr val="137CBE"/>
+              </a:buClr>
+              <a:buFont typeface="Wingdings" panose="05000000000000000000" pitchFamily="2" charset="2"/>
+              <a:buChar char="§"/>
+            </a:pPr>
+            <a:r>
+              <a:rPr lang="en-US" sz="2000" dirty="0">
+                <a:solidFill>
+                  <a:schemeClr val="tx1"/>
+                </a:solidFill>
+              </a:rPr>
+              <a:t>How big should the targets be?</a:t>
+            </a:r>
+          </a:p>
+          <a:p>
+            <a:pPr marL="742950" lvl="1" indent="-285750">
+              <a:buClr>
+                <a:srgbClr val="137CBE"/>
+              </a:buClr>
+              <a:buFont typeface="Wingdings" panose="05000000000000000000" pitchFamily="2" charset="2"/>
+              <a:buChar char="§"/>
+            </a:pPr>
+            <a:r>
+              <a:rPr lang="en-US" sz="2000" dirty="0">
+                <a:solidFill>
+                  <a:schemeClr val="tx1"/>
+                </a:solidFill>
+              </a:rPr>
+              <a:t>How to treat targets </a:t>
+            </a:r>
+            <a:br>
+              <a:rPr lang="en-US" sz="2000" dirty="0">
+                <a:solidFill>
+                  <a:schemeClr val="tx1"/>
+                </a:solidFill>
+              </a:rPr>
+            </a:br>
+            <a:r>
+              <a:rPr lang="en-US" sz="2000" dirty="0">
+                <a:solidFill>
+                  <a:schemeClr val="tx1"/>
+                </a:solidFill>
+              </a:rPr>
+              <a:t>close to the cross? (False Neg)</a:t>
+            </a:r>
+          </a:p>
+          <a:p>
+            <a:pPr>
+              <a:buClr>
+                <a:srgbClr val="137CBE"/>
+              </a:buClr>
+            </a:pPr>
+            <a:r>
+              <a:rPr lang="de-DE" sz="2000" dirty="0">
+                <a:solidFill>
+                  <a:schemeClr val="tx1"/>
+                </a:solidFill>
+              </a:rPr>
+              <a:t>E</a:t>
+            </a:r>
+            <a:r>
+              <a:rPr lang="en-US" sz="2000" dirty="0" err="1">
+                <a:solidFill>
+                  <a:schemeClr val="tx1"/>
+                </a:solidFill>
+              </a:rPr>
+              <a:t>ine</a:t>
+            </a:r>
+            <a:r>
+              <a:rPr lang="en-US" sz="2000" dirty="0">
+                <a:solidFill>
+                  <a:schemeClr val="tx1"/>
+                </a:solidFill>
+              </a:rPr>
+              <a:t> </a:t>
+            </a:r>
+            <a:r>
+              <a:rPr lang="en-US" sz="2000" dirty="0" err="1">
+                <a:solidFill>
+                  <a:schemeClr val="tx1"/>
+                </a:solidFill>
+              </a:rPr>
+              <a:t>Frage</a:t>
+            </a:r>
+            <a:r>
+              <a:rPr lang="en-US" sz="2000" dirty="0">
+                <a:solidFill>
+                  <a:schemeClr val="tx1"/>
+                </a:solidFill>
+              </a:rPr>
+              <a:t> </a:t>
+            </a:r>
+            <a:r>
+              <a:rPr lang="en-US" sz="2000" dirty="0" err="1">
+                <a:solidFill>
+                  <a:schemeClr val="tx1"/>
+                </a:solidFill>
+              </a:rPr>
+              <a:t>geht</a:t>
+            </a:r>
+            <a:r>
+              <a:rPr lang="en-US" sz="2000" dirty="0">
+                <a:solidFill>
+                  <a:schemeClr val="tx1"/>
+                </a:solidFill>
+              </a:rPr>
+              <a:t> </a:t>
+            </a:r>
+            <a:r>
+              <a:rPr lang="en-US" sz="2000" dirty="0" err="1">
+                <a:solidFill>
+                  <a:schemeClr val="tx1"/>
+                </a:solidFill>
+              </a:rPr>
+              <a:t>noch</a:t>
+            </a:r>
+            <a:r>
+              <a:rPr lang="en-US" sz="2000" dirty="0">
+                <a:solidFill>
+                  <a:schemeClr val="tx1"/>
+                </a:solidFill>
+              </a:rPr>
+              <a:t> :D</a:t>
+            </a:r>
+          </a:p>
+          <a:p>
+            <a:pPr lvl="1">
+              <a:buClr>
+                <a:srgbClr val="137CBE"/>
+              </a:buClr>
+            </a:pPr>
+            <a:r>
+              <a:rPr lang="en-US" sz="2000" dirty="0">
+                <a:solidFill>
+                  <a:schemeClr val="tx1"/>
+                </a:solidFill>
+              </a:rPr>
+              <a:t> </a:t>
+            </a:r>
+          </a:p>
+          <a:p>
+            <a:pPr marL="285750" indent="-285750">
+              <a:buClr>
+                <a:srgbClr val="137CBE"/>
+              </a:buClr>
+              <a:buFont typeface="Wingdings" panose="05000000000000000000" pitchFamily="2" charset="2"/>
+              <a:buChar char="§"/>
+            </a:pPr>
+            <a:endParaRPr lang="en-US" sz="2000" dirty="0">
+              <a:solidFill>
+                <a:schemeClr val="tx1"/>
+              </a:solidFill>
+            </a:endParaRPr>
+          </a:p>
+        </p:txBody>
+      </p:sp>
+      <p:sp>
+        <p:nvSpPr>
+          <p:cNvPr id="6" name="Titel 3">
+            <a:extLst>
+              <a:ext uri="{FF2B5EF4-FFF2-40B4-BE49-F238E27FC236}">
+                <a16:creationId xmlns:a16="http://schemas.microsoft.com/office/drawing/2014/main" id="{078015A4-5ED5-4703-80DD-977F12EB1AFD}"/>
+              </a:ext>
+            </a:extLst>
+          </p:cNvPr>
+          <p:cNvSpPr txBox="1">
+            <a:spLocks/>
+          </p:cNvSpPr>
+          <p:nvPr/>
+        </p:nvSpPr>
+        <p:spPr>
+          <a:xfrm>
+            <a:off x="251520" y="171451"/>
+            <a:ext cx="2160240" cy="672107"/>
+          </a:xfrm>
+          <a:prstGeom prst="rect">
+            <a:avLst/>
+          </a:prstGeom>
+          <a:solidFill>
+            <a:schemeClr val="bg1">
+              <a:alpha val="80000"/>
+            </a:schemeClr>
+          </a:solidFill>
+          <a:effectLst>
+            <a:softEdge rad="50800"/>
+          </a:effectLst>
+        </p:spPr>
+        <p:txBody>
+          <a:bodyPr/>
+          <a:lstStyle>
+            <a:lvl1pPr algn="l" defTabSz="914400" rtl="0" eaLnBrk="1" latinLnBrk="0" hangingPunct="1">
+              <a:spcBef>
+                <a:spcPct val="0"/>
+              </a:spcBef>
+              <a:buNone/>
+              <a:defRPr lang="de-DE" sz="3600" kern="1200" dirty="0">
+                <a:solidFill>
+                  <a:srgbClr val="137CBE"/>
+                </a:solidFill>
+                <a:latin typeface="+mj-lt"/>
+                <a:ea typeface="+mj-ea"/>
+                <a:cs typeface="+mj-cs"/>
+              </a:defRPr>
+            </a:lvl1pPr>
+          </a:lstStyle>
+          <a:p>
+            <a:r>
+              <a:rPr lang="en-US" dirty="0"/>
+              <a:t>Questions</a:t>
+            </a:r>
           </a:p>
         </p:txBody>
       </p:sp>
     </p:spTree>
     <p:extLst>
       <p:ext uri="{BB962C8B-B14F-4D97-AF65-F5344CB8AC3E}">
-        <p14:creationId xmlns:p14="http://schemas.microsoft.com/office/powerpoint/2010/main" val="920500062"/>
+        <p14:creationId xmlns:p14="http://schemas.microsoft.com/office/powerpoint/2010/main" val="2135271519"/>
       </p:ext>
     </p:extLst>
   </p:cSld>
